--- a/docs/2일차-20140402.pptx
+++ b/docs/2일차-20140402.pptx
@@ -6099,7 +6099,7 @@
         <p:spPr>
           <a:xfrm>
             <a:off x="1053310" y="3655101"/>
-            <a:ext cx="4140877" cy="523220"/>
+            <a:ext cx="4241867" cy="523220"/>
           </a:xfrm>
           <a:prstGeom prst="rect">
             <a:avLst/>
@@ -6141,7 +6141,7 @@
               <a:t>의 </a:t>
             </a:r>
             <a:r>
-              <a:rPr lang="en-US" altLang="ko-KR" sz="2800" b="1" dirty="0" smtClean="0">
+              <a:rPr lang="en-US" altLang="ko-KR" sz="2800" b="1" smtClean="0">
                 <a:solidFill>
                   <a:schemeClr val="tx1">
                     <a:lumMod val="85000"/>
@@ -6152,10 +6152,10 @@
                 <a:ea typeface="나눔고딕" pitchFamily="50" charset="-127"/>
                 <a:cs typeface="나눔고딕"/>
               </a:rPr>
-              <a:t>Class</a:t>
-            </a:r>
-            <a:r>
-              <a:rPr lang="ko-KR" altLang="en-US" sz="2800" b="1" dirty="0" smtClean="0">
+              <a:t>Class </a:t>
+            </a:r>
+            <a:r>
+              <a:rPr lang="ko-KR" altLang="en-US" sz="2800" b="1" smtClean="0">
                 <a:solidFill>
                   <a:schemeClr val="tx1">
                     <a:lumMod val="85000"/>

--- a/docs/2일차-20140402.pptx
+++ b/docs/2일차-20140402.pptx
@@ -326,7 +326,7 @@
           <a:p>
             <a:fld id="{1BF437F2-DBA1-448C-B77E-18E9737ED32F}" type="datetimeFigureOut">
               <a:rPr lang="ko-KR" altLang="en-US" smtClean="0"/>
-              <a:t>2014-04-01</a:t>
+              <a:t>2014-04-02</a:t>
             </a:fld>
             <a:endParaRPr lang="ko-KR" altLang="en-US"/>
           </a:p>
@@ -496,7 +496,7 @@
           <a:p>
             <a:fld id="{1BF437F2-DBA1-448C-B77E-18E9737ED32F}" type="datetimeFigureOut">
               <a:rPr lang="ko-KR" altLang="en-US" smtClean="0"/>
-              <a:t>2014-04-01</a:t>
+              <a:t>2014-04-02</a:t>
             </a:fld>
             <a:endParaRPr lang="ko-KR" altLang="en-US"/>
           </a:p>
@@ -676,7 +676,7 @@
           <a:p>
             <a:fld id="{1BF437F2-DBA1-448C-B77E-18E9737ED32F}" type="datetimeFigureOut">
               <a:rPr lang="ko-KR" altLang="en-US" smtClean="0"/>
-              <a:t>2014-04-01</a:t>
+              <a:t>2014-04-02</a:t>
             </a:fld>
             <a:endParaRPr lang="ko-KR" altLang="en-US"/>
           </a:p>
@@ -846,7 +846,7 @@
           <a:p>
             <a:fld id="{1BF437F2-DBA1-448C-B77E-18E9737ED32F}" type="datetimeFigureOut">
               <a:rPr lang="ko-KR" altLang="en-US" smtClean="0"/>
-              <a:t>2014-04-01</a:t>
+              <a:t>2014-04-02</a:t>
             </a:fld>
             <a:endParaRPr lang="ko-KR" altLang="en-US"/>
           </a:p>
@@ -1092,7 +1092,7 @@
           <a:p>
             <a:fld id="{1BF437F2-DBA1-448C-B77E-18E9737ED32F}" type="datetimeFigureOut">
               <a:rPr lang="ko-KR" altLang="en-US" smtClean="0"/>
-              <a:t>2014-04-01</a:t>
+              <a:t>2014-04-02</a:t>
             </a:fld>
             <a:endParaRPr lang="ko-KR" altLang="en-US"/>
           </a:p>
@@ -1380,7 +1380,7 @@
           <a:p>
             <a:fld id="{1BF437F2-DBA1-448C-B77E-18E9737ED32F}" type="datetimeFigureOut">
               <a:rPr lang="ko-KR" altLang="en-US" smtClean="0"/>
-              <a:t>2014-04-01</a:t>
+              <a:t>2014-04-02</a:t>
             </a:fld>
             <a:endParaRPr lang="ko-KR" altLang="en-US"/>
           </a:p>
@@ -1802,7 +1802,7 @@
           <a:p>
             <a:fld id="{1BF437F2-DBA1-448C-B77E-18E9737ED32F}" type="datetimeFigureOut">
               <a:rPr lang="ko-KR" altLang="en-US" smtClean="0"/>
-              <a:t>2014-04-01</a:t>
+              <a:t>2014-04-02</a:t>
             </a:fld>
             <a:endParaRPr lang="ko-KR" altLang="en-US"/>
           </a:p>
@@ -1920,7 +1920,7 @@
           <a:p>
             <a:fld id="{1BF437F2-DBA1-448C-B77E-18E9737ED32F}" type="datetimeFigureOut">
               <a:rPr lang="ko-KR" altLang="en-US" smtClean="0"/>
-              <a:t>2014-04-01</a:t>
+              <a:t>2014-04-02</a:t>
             </a:fld>
             <a:endParaRPr lang="ko-KR" altLang="en-US"/>
           </a:p>
@@ -2015,7 +2015,7 @@
           <a:p>
             <a:fld id="{1BF437F2-DBA1-448C-B77E-18E9737ED32F}" type="datetimeFigureOut">
               <a:rPr lang="ko-KR" altLang="en-US" smtClean="0"/>
-              <a:t>2014-04-01</a:t>
+              <a:t>2014-04-02</a:t>
             </a:fld>
             <a:endParaRPr lang="ko-KR" altLang="en-US"/>
           </a:p>
@@ -2292,7 +2292,7 @@
           <a:p>
             <a:fld id="{1BF437F2-DBA1-448C-B77E-18E9737ED32F}" type="datetimeFigureOut">
               <a:rPr lang="ko-KR" altLang="en-US" smtClean="0"/>
-              <a:t>2014-04-01</a:t>
+              <a:t>2014-04-02</a:t>
             </a:fld>
             <a:endParaRPr lang="ko-KR" altLang="en-US"/>
           </a:p>
@@ -2545,7 +2545,7 @@
           <a:p>
             <a:fld id="{1BF437F2-DBA1-448C-B77E-18E9737ED32F}" type="datetimeFigureOut">
               <a:rPr lang="ko-KR" altLang="en-US" smtClean="0"/>
-              <a:t>2014-04-01</a:t>
+              <a:t>2014-04-02</a:t>
             </a:fld>
             <a:endParaRPr lang="ko-KR" altLang="en-US"/>
           </a:p>
@@ -2758,7 +2758,7 @@
           <a:p>
             <a:fld id="{1BF437F2-DBA1-448C-B77E-18E9737ED32F}" type="datetimeFigureOut">
               <a:rPr lang="ko-KR" altLang="en-US" smtClean="0"/>
-              <a:t>2014-04-01</a:t>
+              <a:t>2014-04-02</a:t>
             </a:fld>
             <a:endParaRPr lang="ko-KR" altLang="en-US"/>
           </a:p>
@@ -3547,18 +3547,7 @@
                 <a:ea typeface="나눔고딕 ExtraBold"/>
                 <a:cs typeface="나눔고딕 ExtraBold"/>
               </a:rPr>
-              <a:t>5. </a:t>
-            </a:r>
-            <a:r>
-              <a:rPr lang="en-US" altLang="ko-KR" dirty="0" smtClean="0">
-                <a:solidFill>
-                  <a:srgbClr val="7F7F7F"/>
-                </a:solidFill>
-                <a:latin typeface="나눔고딕 ExtraBold"/>
-                <a:ea typeface="나눔고딕 ExtraBold"/>
-                <a:cs typeface="나눔고딕 ExtraBold"/>
-              </a:rPr>
-              <a:t>1</a:t>
+              <a:t>5. 1</a:t>
             </a:r>
             <a:r>
               <a:rPr lang="ko-KR" altLang="en-US" dirty="0" smtClean="0">
@@ -4049,18 +4038,7 @@
                 <a:ea typeface="나눔고딕 ExtraBold"/>
                 <a:cs typeface="나눔고딕 ExtraBold"/>
               </a:rPr>
-              <a:t>5. </a:t>
-            </a:r>
-            <a:r>
-              <a:rPr lang="en-US" altLang="ko-KR" dirty="0" smtClean="0">
-                <a:solidFill>
-                  <a:srgbClr val="7F7F7F"/>
-                </a:solidFill>
-                <a:latin typeface="나눔고딕 ExtraBold"/>
-                <a:ea typeface="나눔고딕 ExtraBold"/>
-                <a:cs typeface="나눔고딕 ExtraBold"/>
-              </a:rPr>
-              <a:t>1</a:t>
+              <a:t>5. 1</a:t>
             </a:r>
             <a:r>
               <a:rPr lang="ko-KR" altLang="en-US" dirty="0" smtClean="0">
@@ -4530,21 +4508,7 @@
                 <a:ea typeface="나눔고딕" pitchFamily="50" charset="-127"/>
                 <a:cs typeface="나눔고딕"/>
               </a:rPr>
-              <a:t>의 </a:t>
-            </a:r>
-            <a:r>
-              <a:rPr lang="ko-KR" altLang="en-US" sz="2800" b="1" dirty="0" smtClean="0">
-                <a:solidFill>
-                  <a:schemeClr val="tx1">
-                    <a:lumMod val="85000"/>
-                    <a:lumOff val="15000"/>
-                  </a:schemeClr>
-                </a:solidFill>
-                <a:latin typeface="나눔고딕" pitchFamily="50" charset="-127"/>
-                <a:ea typeface="나눔고딕" pitchFamily="50" charset="-127"/>
-                <a:cs typeface="나눔고딕"/>
-              </a:rPr>
-              <a:t>구성요</a:t>
+              <a:t>의 구성요</a:t>
             </a:r>
             <a:r>
               <a:rPr lang="ko-KR" altLang="en-US" sz="2800" b="1" dirty="0">
@@ -5695,18 +5659,7 @@
                 <a:ea typeface="나눔고딕 ExtraBold"/>
                 <a:cs typeface="나눔고딕 ExtraBold"/>
               </a:rPr>
-              <a:t>의 </a:t>
-            </a:r>
-            <a:r>
-              <a:rPr lang="ko-KR" altLang="en-US" dirty="0" smtClean="0">
-                <a:solidFill>
-                  <a:srgbClr val="7F7F7F"/>
-                </a:solidFill>
-                <a:latin typeface="나눔고딕 ExtraBold"/>
-                <a:ea typeface="나눔고딕 ExtraBold"/>
-                <a:cs typeface="나눔고딕 ExtraBold"/>
-              </a:rPr>
-              <a:t>구성요소</a:t>
+              <a:t>의 구성요소</a:t>
             </a:r>
             <a:endParaRPr lang="en-US" dirty="0">
               <a:solidFill>
@@ -6994,18 +6947,7 @@
                 <a:ea typeface="나눔고딕 ExtraBold"/>
                 <a:cs typeface="나눔고딕 ExtraBold"/>
               </a:rPr>
-              <a:t>의 </a:t>
-            </a:r>
-            <a:r>
-              <a:rPr lang="ko-KR" altLang="en-US" dirty="0" smtClean="0">
-                <a:solidFill>
-                  <a:srgbClr val="7F7F7F"/>
-                </a:solidFill>
-                <a:latin typeface="나눔고딕 ExtraBold"/>
-                <a:ea typeface="나눔고딕 ExtraBold"/>
-                <a:cs typeface="나눔고딕 ExtraBold"/>
-              </a:rPr>
-              <a:t>구성요소</a:t>
+              <a:t>의 구성요소</a:t>
             </a:r>
             <a:endParaRPr lang="en-US" dirty="0">
               <a:solidFill>
@@ -7336,18 +7278,7 @@
                 <a:ea typeface="나눔고딕 ExtraBold"/>
                 <a:cs typeface="나눔고딕 ExtraBold"/>
               </a:rPr>
-              <a:t>의 </a:t>
-            </a:r>
-            <a:r>
-              <a:rPr lang="ko-KR" altLang="en-US" dirty="0" smtClean="0">
-                <a:solidFill>
-                  <a:srgbClr val="7F7F7F"/>
-                </a:solidFill>
-                <a:latin typeface="나눔고딕 ExtraBold"/>
-                <a:ea typeface="나눔고딕 ExtraBold"/>
-                <a:cs typeface="나눔고딕 ExtraBold"/>
-              </a:rPr>
-              <a:t>구성요소</a:t>
+              <a:t>의 구성요소</a:t>
             </a:r>
             <a:endParaRPr lang="en-US" dirty="0">
               <a:solidFill>
@@ -9008,18 +8939,7 @@
                 <a:ea typeface="나눔고딕 ExtraBold"/>
                 <a:cs typeface="나눔고딕 ExtraBold"/>
               </a:rPr>
-              <a:t>의 </a:t>
-            </a:r>
-            <a:r>
-              <a:rPr lang="ko-KR" altLang="en-US" dirty="0" smtClean="0">
-                <a:solidFill>
-                  <a:srgbClr val="7F7F7F"/>
-                </a:solidFill>
-                <a:latin typeface="나눔고딕 ExtraBold"/>
-                <a:ea typeface="나눔고딕 ExtraBold"/>
-                <a:cs typeface="나눔고딕 ExtraBold"/>
-              </a:rPr>
-              <a:t>구성요소</a:t>
+              <a:t>의 구성요소</a:t>
             </a:r>
             <a:endParaRPr lang="en-US" dirty="0">
               <a:solidFill>
@@ -9530,18 +9450,7 @@
                 <a:ea typeface="나눔고딕 ExtraBold"/>
                 <a:cs typeface="나눔고딕 ExtraBold"/>
               </a:rPr>
-              <a:t>의 </a:t>
-            </a:r>
-            <a:r>
-              <a:rPr lang="ko-KR" altLang="en-US" dirty="0" smtClean="0">
-                <a:solidFill>
-                  <a:srgbClr val="7F7F7F"/>
-                </a:solidFill>
-                <a:latin typeface="나눔고딕 ExtraBold"/>
-                <a:ea typeface="나눔고딕 ExtraBold"/>
-                <a:cs typeface="나눔고딕 ExtraBold"/>
-              </a:rPr>
-              <a:t>구성요소</a:t>
+              <a:t>의 구성요소</a:t>
             </a:r>
             <a:endParaRPr lang="en-US" dirty="0">
               <a:solidFill>
@@ -9926,18 +9835,7 @@
                 <a:ea typeface="나눔고딕 ExtraBold"/>
                 <a:cs typeface="나눔고딕 ExtraBold"/>
               </a:rPr>
-              <a:t>의 </a:t>
-            </a:r>
-            <a:r>
-              <a:rPr lang="ko-KR" altLang="en-US" dirty="0" smtClean="0">
-                <a:solidFill>
-                  <a:srgbClr val="7F7F7F"/>
-                </a:solidFill>
-                <a:latin typeface="나눔고딕 ExtraBold"/>
-                <a:ea typeface="나눔고딕 ExtraBold"/>
-                <a:cs typeface="나눔고딕 ExtraBold"/>
-              </a:rPr>
-              <a:t>구성요소</a:t>
+              <a:t>의 구성요소</a:t>
             </a:r>
             <a:endParaRPr lang="en-US" dirty="0">
               <a:solidFill>
@@ -10338,18 +10236,7 @@
                 <a:ea typeface="나눔고딕 ExtraBold"/>
                 <a:cs typeface="나눔고딕 ExtraBold"/>
               </a:rPr>
-              <a:t>의 </a:t>
-            </a:r>
-            <a:r>
-              <a:rPr lang="ko-KR" altLang="en-US" dirty="0" smtClean="0">
-                <a:solidFill>
-                  <a:srgbClr val="7F7F7F"/>
-                </a:solidFill>
-                <a:latin typeface="나눔고딕 ExtraBold"/>
-                <a:ea typeface="나눔고딕 ExtraBold"/>
-                <a:cs typeface="나눔고딕 ExtraBold"/>
-              </a:rPr>
-              <a:t>구성요소</a:t>
+              <a:t>의 구성요소</a:t>
             </a:r>
             <a:endParaRPr lang="en-US" dirty="0">
               <a:solidFill>
@@ -11652,18 +11539,7 @@
                 <a:ea typeface="나눔고딕 ExtraBold"/>
                 <a:cs typeface="나눔고딕 ExtraBold"/>
               </a:rPr>
-              <a:t>의 </a:t>
-            </a:r>
-            <a:r>
-              <a:rPr lang="ko-KR" altLang="en-US" dirty="0" smtClean="0">
-                <a:solidFill>
-                  <a:srgbClr val="7F7F7F"/>
-                </a:solidFill>
-                <a:latin typeface="나눔고딕 ExtraBold"/>
-                <a:ea typeface="나눔고딕 ExtraBold"/>
-                <a:cs typeface="나눔고딕 ExtraBold"/>
-              </a:rPr>
-              <a:t>구성요소</a:t>
+              <a:t>의 구성요소</a:t>
             </a:r>
             <a:endParaRPr lang="en-US" dirty="0">
               <a:solidFill>
@@ -12351,18 +12227,7 @@
                 <a:ea typeface="나눔고딕 ExtraBold"/>
                 <a:cs typeface="나눔고딕 ExtraBold"/>
               </a:rPr>
-              <a:t>의 </a:t>
-            </a:r>
-            <a:r>
-              <a:rPr lang="ko-KR" altLang="en-US" dirty="0" smtClean="0">
-                <a:solidFill>
-                  <a:srgbClr val="7F7F7F"/>
-                </a:solidFill>
-                <a:latin typeface="나눔고딕 ExtraBold"/>
-                <a:ea typeface="나눔고딕 ExtraBold"/>
-                <a:cs typeface="나눔고딕 ExtraBold"/>
-              </a:rPr>
-              <a:t>구성요소</a:t>
+              <a:t>의 구성요소</a:t>
             </a:r>
             <a:endParaRPr lang="en-US" dirty="0">
               <a:solidFill>
@@ -12927,18 +12792,7 @@
                 <a:ea typeface="나눔고딕 ExtraBold"/>
                 <a:cs typeface="나눔고딕 ExtraBold"/>
               </a:rPr>
-              <a:t>의 </a:t>
-            </a:r>
-            <a:r>
-              <a:rPr lang="ko-KR" altLang="en-US" dirty="0" smtClean="0">
-                <a:solidFill>
-                  <a:srgbClr val="7F7F7F"/>
-                </a:solidFill>
-                <a:latin typeface="나눔고딕 ExtraBold"/>
-                <a:ea typeface="나눔고딕 ExtraBold"/>
-                <a:cs typeface="나눔고딕 ExtraBold"/>
-              </a:rPr>
-              <a:t>구성요소</a:t>
+              <a:t>의 구성요소</a:t>
             </a:r>
             <a:endParaRPr lang="en-US" dirty="0">
               <a:solidFill>
@@ -13852,18 +13706,7 @@
                 <a:ea typeface="나눔고딕 ExtraBold"/>
                 <a:cs typeface="나눔고딕 ExtraBold"/>
               </a:rPr>
-              <a:t>의 </a:t>
-            </a:r>
-            <a:r>
-              <a:rPr lang="ko-KR" altLang="en-US" dirty="0" smtClean="0">
-                <a:solidFill>
-                  <a:srgbClr val="7F7F7F"/>
-                </a:solidFill>
-                <a:latin typeface="나눔고딕 ExtraBold"/>
-                <a:ea typeface="나눔고딕 ExtraBold"/>
-                <a:cs typeface="나눔고딕 ExtraBold"/>
-              </a:rPr>
-              <a:t>구성요소</a:t>
+              <a:t>의 구성요소</a:t>
             </a:r>
             <a:endParaRPr lang="en-US" dirty="0">
               <a:solidFill>
@@ -13912,20 +13755,7 @@
                 <a:ea typeface="나눔고딕 ExtraBold"/>
                 <a:cs typeface="나눔고딕 ExtraBold"/>
               </a:rPr>
-              <a:t>브로드</a:t>
-            </a:r>
-            <a:r>
-              <a:rPr lang="ko-KR" altLang="en-US" sz="2000" dirty="0" err="1" smtClean="0">
-                <a:solidFill>
-                  <a:schemeClr val="bg1">
-                    <a:lumMod val="65000"/>
-                  </a:schemeClr>
-                </a:solidFill>
-                <a:latin typeface="나눔고딕 ExtraBold"/>
-                <a:ea typeface="나눔고딕 ExtraBold"/>
-                <a:cs typeface="나눔고딕 ExtraBold"/>
-              </a:rPr>
-              <a:t>캐스트</a:t>
+              <a:t>브로드캐스트</a:t>
             </a:r>
             <a:r>
               <a:rPr lang="ko-KR" altLang="en-US" sz="2000" dirty="0" smtClean="0">
@@ -14403,18 +14233,7 @@
                 <a:ea typeface="나눔고딕 ExtraBold"/>
                 <a:cs typeface="나눔고딕 ExtraBold"/>
               </a:rPr>
-              <a:t>의 </a:t>
-            </a:r>
-            <a:r>
-              <a:rPr lang="ko-KR" altLang="en-US" dirty="0" smtClean="0">
-                <a:solidFill>
-                  <a:srgbClr val="7F7F7F"/>
-                </a:solidFill>
-                <a:latin typeface="나눔고딕 ExtraBold"/>
-                <a:ea typeface="나눔고딕 ExtraBold"/>
-                <a:cs typeface="나눔고딕 ExtraBold"/>
-              </a:rPr>
-              <a:t>구성요소</a:t>
+              <a:t>의 구성요소</a:t>
             </a:r>
             <a:endParaRPr lang="en-US" dirty="0">
               <a:solidFill>
@@ -14974,18 +14793,7 @@
                 <a:ea typeface="나눔고딕 ExtraBold"/>
                 <a:cs typeface="나눔고딕 ExtraBold"/>
               </a:rPr>
-              <a:t>2. </a:t>
-            </a:r>
-            <a:r>
-              <a:rPr lang="en-US" altLang="ko-KR" dirty="0" smtClean="0">
-                <a:solidFill>
-                  <a:srgbClr val="7F7F7F"/>
-                </a:solidFill>
-                <a:latin typeface="나눔고딕 ExtraBold"/>
-                <a:ea typeface="나눔고딕 ExtraBold"/>
-                <a:cs typeface="나눔고딕 ExtraBold"/>
-              </a:rPr>
-              <a:t>Android View </a:t>
+              <a:t>2. Android View </a:t>
             </a:r>
             <a:r>
               <a:rPr lang="ko-KR" altLang="en-US" dirty="0" smtClean="0">
@@ -15665,18 +15473,7 @@
                 <a:ea typeface="나눔고딕 ExtraBold"/>
                 <a:cs typeface="나눔고딕 ExtraBold"/>
               </a:rPr>
-              <a:t>2. </a:t>
-            </a:r>
-            <a:r>
-              <a:rPr lang="en-US" altLang="ko-KR" dirty="0" smtClean="0">
-                <a:solidFill>
-                  <a:srgbClr val="7F7F7F"/>
-                </a:solidFill>
-                <a:latin typeface="나눔고딕 ExtraBold"/>
-                <a:ea typeface="나눔고딕 ExtraBold"/>
-                <a:cs typeface="나눔고딕 ExtraBold"/>
-              </a:rPr>
-              <a:t>Android View </a:t>
+              <a:t>2. Android View </a:t>
             </a:r>
             <a:r>
               <a:rPr lang="ko-KR" altLang="en-US" dirty="0" smtClean="0">
@@ -16311,18 +16108,7 @@
                 <a:ea typeface="나눔고딕 ExtraBold"/>
                 <a:cs typeface="나눔고딕 ExtraBold"/>
               </a:rPr>
-              <a:t>2. </a:t>
-            </a:r>
-            <a:r>
-              <a:rPr lang="en-US" altLang="ko-KR" dirty="0" smtClean="0">
-                <a:solidFill>
-                  <a:srgbClr val="7F7F7F"/>
-                </a:solidFill>
-                <a:latin typeface="나눔고딕 ExtraBold"/>
-                <a:ea typeface="나눔고딕 ExtraBold"/>
-                <a:cs typeface="나눔고딕 ExtraBold"/>
-              </a:rPr>
-              <a:t>Android View </a:t>
+              <a:t>2. Android View </a:t>
             </a:r>
             <a:r>
               <a:rPr lang="ko-KR" altLang="en-US" dirty="0" smtClean="0">
@@ -17137,18 +16923,7 @@
                 <a:ea typeface="나눔고딕 ExtraBold"/>
                 <a:cs typeface="나눔고딕 ExtraBold"/>
               </a:rPr>
-              <a:t>2. </a:t>
-            </a:r>
-            <a:r>
-              <a:rPr lang="en-US" altLang="ko-KR" dirty="0" smtClean="0">
-                <a:solidFill>
-                  <a:srgbClr val="7F7F7F"/>
-                </a:solidFill>
-                <a:latin typeface="나눔고딕 ExtraBold"/>
-                <a:ea typeface="나눔고딕 ExtraBold"/>
-                <a:cs typeface="나눔고딕 ExtraBold"/>
-              </a:rPr>
-              <a:t>Android View </a:t>
+              <a:t>2. Android View </a:t>
             </a:r>
             <a:r>
               <a:rPr lang="ko-KR" altLang="en-US" dirty="0" smtClean="0">
@@ -17732,18 +17507,7 @@
                 <a:ea typeface="나눔고딕 ExtraBold"/>
                 <a:cs typeface="나눔고딕 ExtraBold"/>
               </a:rPr>
-              <a:t>2. </a:t>
-            </a:r>
-            <a:r>
-              <a:rPr lang="en-US" altLang="ko-KR" dirty="0" smtClean="0">
-                <a:solidFill>
-                  <a:srgbClr val="7F7F7F"/>
-                </a:solidFill>
-                <a:latin typeface="나눔고딕 ExtraBold"/>
-                <a:ea typeface="나눔고딕 ExtraBold"/>
-                <a:cs typeface="나눔고딕 ExtraBold"/>
-              </a:rPr>
-              <a:t>Android View </a:t>
+              <a:t>2. Android View </a:t>
             </a:r>
             <a:r>
               <a:rPr lang="ko-KR" altLang="en-US" dirty="0" smtClean="0">
@@ -18928,21 +18692,7 @@
                 <a:ea typeface="나눔고딕" pitchFamily="50" charset="-127"/>
                 <a:cs typeface="나눔고딕"/>
               </a:rPr>
-              <a:t>일차 </a:t>
-            </a:r>
-            <a:r>
-              <a:rPr lang="ko-KR" altLang="en-US" sz="2800" b="1" dirty="0" smtClean="0">
-                <a:solidFill>
-                  <a:schemeClr val="tx1">
-                    <a:lumMod val="85000"/>
-                    <a:lumOff val="15000"/>
-                  </a:schemeClr>
-                </a:solidFill>
-                <a:latin typeface="나눔고딕" pitchFamily="50" charset="-127"/>
-                <a:ea typeface="나눔고딕" pitchFamily="50" charset="-127"/>
-                <a:cs typeface="나눔고딕"/>
-              </a:rPr>
-              <a:t>실습</a:t>
+              <a:t>일차 실습</a:t>
             </a:r>
             <a:endParaRPr lang="en-US" sz="2800" b="1" dirty="0">
               <a:solidFill>
@@ -19934,18 +19684,7 @@
                 <a:ea typeface="나눔고딕 ExtraBold"/>
                 <a:cs typeface="나눔고딕 ExtraBold"/>
               </a:rPr>
-              <a:t>2. </a:t>
-            </a:r>
-            <a:r>
-              <a:rPr lang="en-US" altLang="ko-KR" dirty="0" smtClean="0">
-                <a:solidFill>
-                  <a:srgbClr val="7F7F7F"/>
-                </a:solidFill>
-                <a:latin typeface="나눔고딕 ExtraBold"/>
-                <a:ea typeface="나눔고딕 ExtraBold"/>
-                <a:cs typeface="나눔고딕 ExtraBold"/>
-              </a:rPr>
-              <a:t>Android View </a:t>
+              <a:t>2. Android View </a:t>
             </a:r>
             <a:r>
               <a:rPr lang="ko-KR" altLang="en-US" dirty="0" smtClean="0">
@@ -20628,18 +20367,7 @@
                 <a:ea typeface="나눔고딕 ExtraBold"/>
                 <a:cs typeface="나눔고딕 ExtraBold"/>
               </a:rPr>
-              <a:t>2. </a:t>
-            </a:r>
-            <a:r>
-              <a:rPr lang="en-US" altLang="ko-KR" dirty="0" smtClean="0">
-                <a:solidFill>
-                  <a:srgbClr val="7F7F7F"/>
-                </a:solidFill>
-                <a:latin typeface="나눔고딕 ExtraBold"/>
-                <a:ea typeface="나눔고딕 ExtraBold"/>
-                <a:cs typeface="나눔고딕 ExtraBold"/>
-              </a:rPr>
-              <a:t>Android View </a:t>
+              <a:t>2. Android View </a:t>
             </a:r>
             <a:r>
               <a:rPr lang="ko-KR" altLang="en-US" dirty="0" smtClean="0">
@@ -21309,18 +21037,7 @@
                 <a:ea typeface="나눔고딕 ExtraBold"/>
                 <a:cs typeface="나눔고딕 ExtraBold"/>
               </a:rPr>
-              <a:t>2. </a:t>
-            </a:r>
-            <a:r>
-              <a:rPr lang="en-US" altLang="ko-KR" dirty="0" smtClean="0">
-                <a:solidFill>
-                  <a:srgbClr val="7F7F7F"/>
-                </a:solidFill>
-                <a:latin typeface="나눔고딕 ExtraBold"/>
-                <a:ea typeface="나눔고딕 ExtraBold"/>
-                <a:cs typeface="나눔고딕 ExtraBold"/>
-              </a:rPr>
-              <a:t>Android View </a:t>
+              <a:t>2. Android View </a:t>
             </a:r>
             <a:r>
               <a:rPr lang="ko-KR" altLang="en-US" dirty="0" smtClean="0">
@@ -22015,18 +21732,7 @@
                 <a:ea typeface="나눔고딕 ExtraBold"/>
                 <a:cs typeface="나눔고딕 ExtraBold"/>
               </a:rPr>
-              <a:t>2. </a:t>
-            </a:r>
-            <a:r>
-              <a:rPr lang="en-US" altLang="ko-KR" dirty="0" smtClean="0">
-                <a:solidFill>
-                  <a:srgbClr val="7F7F7F"/>
-                </a:solidFill>
-                <a:latin typeface="나눔고딕 ExtraBold"/>
-                <a:ea typeface="나눔고딕 ExtraBold"/>
-                <a:cs typeface="나눔고딕 ExtraBold"/>
-              </a:rPr>
-              <a:t>Android View </a:t>
+              <a:t>2. Android View </a:t>
             </a:r>
             <a:r>
               <a:rPr lang="ko-KR" altLang="en-US" dirty="0" smtClean="0">
@@ -22599,18 +22305,7 @@
                 <a:ea typeface="나눔고딕 ExtraBold"/>
                 <a:cs typeface="나눔고딕 ExtraBold"/>
               </a:rPr>
-              <a:t>3. </a:t>
-            </a:r>
-            <a:r>
-              <a:rPr lang="en-US" altLang="ko-KR" dirty="0" smtClean="0">
-                <a:solidFill>
-                  <a:srgbClr val="7F7F7F"/>
-                </a:solidFill>
-                <a:latin typeface="나눔고딕 ExtraBold"/>
-                <a:ea typeface="나눔고딕 ExtraBold"/>
-                <a:cs typeface="나눔고딕 ExtraBold"/>
-              </a:rPr>
-              <a:t>2</a:t>
+              <a:t>3. 2</a:t>
             </a:r>
             <a:r>
               <a:rPr lang="ko-KR" altLang="en-US" dirty="0" smtClean="0">
@@ -23428,15 +23123,7 @@
                 <a:ea typeface="나눔고딕 ExtraBold"/>
                 <a:cs typeface="나눔고딕 ExtraBold"/>
               </a:rPr>
-              <a:t>: </a:t>
-            </a:r>
-            <a:r>
-              <a:rPr lang="en-US" altLang="ko-KR" sz="2400" dirty="0" smtClean="0">
-                <a:latin typeface="나눔고딕 ExtraBold"/>
-                <a:ea typeface="나눔고딕 ExtraBold"/>
-                <a:cs typeface="나눔고딕 ExtraBold"/>
-              </a:rPr>
-              <a:t>2014-04-06 (</a:t>
+              <a:t>: 2014-04-06 (</a:t>
             </a:r>
             <a:r>
               <a:rPr lang="ko-KR" altLang="en-US" sz="2400" dirty="0" smtClean="0">
@@ -23882,7 +23569,7 @@
         <p:spPr>
           <a:xfrm>
             <a:off x="1680807" y="3284985"/>
-            <a:ext cx="7239482" cy="707886"/>
+            <a:ext cx="7585731" cy="707886"/>
           </a:xfrm>
           <a:prstGeom prst="rect">
             <a:avLst/>
@@ -23915,7 +23602,7 @@
                 <a:ea typeface="나눔고딕 ExtraBold"/>
                 <a:cs typeface="나눔고딕 ExtraBold"/>
               </a:rPr>
-              <a:t>Notification</a:t>
+              <a:t>View2, Event</a:t>
             </a:r>
             <a:endParaRPr lang="en-US" sz="4000" dirty="0">
               <a:solidFill>
@@ -26681,18 +26368,7 @@
                 <a:ea typeface="나눔고딕 ExtraBold"/>
                 <a:cs typeface="나눔고딕 ExtraBold"/>
               </a:rPr>
-              <a:t>4. </a:t>
-            </a:r>
-            <a:r>
-              <a:rPr lang="en-US" altLang="ko-KR" dirty="0" smtClean="0">
-                <a:solidFill>
-                  <a:srgbClr val="7F7F7F"/>
-                </a:solidFill>
-                <a:latin typeface="나눔고딕 ExtraBold"/>
-                <a:ea typeface="나눔고딕 ExtraBold"/>
-                <a:cs typeface="나눔고딕 ExtraBold"/>
-              </a:rPr>
-              <a:t>Source Tree</a:t>
+              <a:t>4. Source Tree</a:t>
             </a:r>
             <a:endParaRPr lang="en-US" dirty="0">
               <a:solidFill>
@@ -27061,11 +26737,7 @@
             </a:r>
             <a:r>
               <a:rPr lang="ko-KR" altLang="en-US" sz="1600" dirty="0" smtClean="0"/>
-              <a:t>가 저장되는 </a:t>
-            </a:r>
-            <a:r>
-              <a:rPr lang="ko-KR" altLang="en-US" sz="1600" dirty="0" smtClean="0"/>
-              <a:t>폴더</a:t>
+              <a:t>가 저장되는 폴더</a:t>
             </a:r>
             <a:endParaRPr lang="en-US" altLang="ko-KR" sz="1600" dirty="0" smtClean="0"/>
           </a:p>
@@ -28057,18 +27729,7 @@
                 <a:ea typeface="나눔고딕 ExtraBold"/>
                 <a:cs typeface="나눔고딕 ExtraBold"/>
               </a:rPr>
-              <a:t>5. </a:t>
-            </a:r>
-            <a:r>
-              <a:rPr lang="en-US" altLang="ko-KR" dirty="0" smtClean="0">
-                <a:solidFill>
-                  <a:srgbClr val="7F7F7F"/>
-                </a:solidFill>
-                <a:latin typeface="나눔고딕 ExtraBold"/>
-                <a:ea typeface="나눔고딕 ExtraBold"/>
-                <a:cs typeface="나눔고딕 ExtraBold"/>
-              </a:rPr>
-              <a:t>1</a:t>
+              <a:t>5. 1</a:t>
             </a:r>
             <a:r>
               <a:rPr lang="ko-KR" altLang="en-US" dirty="0" smtClean="0">
@@ -28453,16 +28114,6 @@
               </a:rPr>
               <a:t> &gt; vertical</a:t>
             </a:r>
-            <a:endParaRPr lang="en-US" altLang="ko-KR" sz="2000" dirty="0" smtClean="0">
-              <a:solidFill>
-                <a:schemeClr val="bg1">
-                  <a:lumMod val="65000"/>
-                </a:schemeClr>
-              </a:solidFill>
-              <a:latin typeface="나눔고딕 ExtraBold"/>
-              <a:ea typeface="나눔고딕 ExtraBold"/>
-              <a:cs typeface="나눔고딕 ExtraBold"/>
-            </a:endParaRPr>
           </a:p>
         </p:txBody>
       </p:sp>
@@ -28572,18 +28223,7 @@
                 <a:ea typeface="나눔고딕 ExtraBold"/>
                 <a:cs typeface="나눔고딕 ExtraBold"/>
               </a:rPr>
-              <a:t>5. </a:t>
-            </a:r>
-            <a:r>
-              <a:rPr lang="en-US" altLang="ko-KR" dirty="0" smtClean="0">
-                <a:solidFill>
-                  <a:srgbClr val="7F7F7F"/>
-                </a:solidFill>
-                <a:latin typeface="나눔고딕 ExtraBold"/>
-                <a:ea typeface="나눔고딕 ExtraBold"/>
-                <a:cs typeface="나눔고딕 ExtraBold"/>
-              </a:rPr>
-              <a:t>1</a:t>
+              <a:t>5. 1</a:t>
             </a:r>
             <a:r>
               <a:rPr lang="ko-KR" altLang="en-US" dirty="0" smtClean="0">
@@ -28968,16 +28608,6 @@
               </a:rPr>
               <a:t> &gt; horizontal</a:t>
             </a:r>
-            <a:endParaRPr lang="en-US" altLang="ko-KR" sz="2000" dirty="0" smtClean="0">
-              <a:solidFill>
-                <a:schemeClr val="bg1">
-                  <a:lumMod val="65000"/>
-                </a:schemeClr>
-              </a:solidFill>
-              <a:latin typeface="나눔고딕 ExtraBold"/>
-              <a:ea typeface="나눔고딕 ExtraBold"/>
-              <a:cs typeface="나눔고딕 ExtraBold"/>
-            </a:endParaRPr>
           </a:p>
         </p:txBody>
       </p:sp>
